--- a/react/Z.MATERIAL/React-01.pptx
+++ b/react/Z.MATERIAL/React-01.pptx
@@ -415,7 +415,7 @@
           <a:p>
             <a:fld id="{7CFB3149-E8DE-4273-B7FB-EDFEB61AC35F}" type="datetimeFigureOut">
               <a:rPr kumimoji="1" lang="ja-JP" altLang="en-US" smtClean="0"/>
-              <a:t>2019/12/24</a:t>
+              <a:t>2019/12/27</a:t>
             </a:fld>
             <a:endParaRPr kumimoji="1" lang="ja-JP" altLang="en-US"/>
           </a:p>
@@ -580,7 +580,7 @@
           <a:p>
             <a:fld id="{D9F6548A-C6CF-4C6A-8E66-898AA5274F21}" type="datetimeFigureOut">
               <a:rPr kumimoji="1" lang="ja-JP" altLang="en-US" smtClean="0"/>
-              <a:t>2019/12/24</a:t>
+              <a:t>2019/12/27</a:t>
             </a:fld>
             <a:endParaRPr kumimoji="1" lang="ja-JP" altLang="en-US"/>
           </a:p>
@@ -923,7 +923,7 @@
           <a:bodyPr/>
           <a:lstStyle/>
           <a:p>
-            <a:endParaRPr kumimoji="1" lang="ja-JP" altLang="en-US"/>
+            <a:endParaRPr kumimoji="1" lang="ja-JP" altLang="en-US" dirty="0"/>
           </a:p>
         </p:txBody>
       </p:sp>
@@ -1091,34 +1091,6 @@
           <a:bodyPr/>
           <a:lstStyle/>
           <a:p>
-            <a:r>
-              <a:rPr lang="en-US" dirty="0"/>
-              <a:t>- Use “ ” when prop</a:t>
-            </a:r>
-            <a:r>
-              <a:rPr lang="en-US" baseline="0" dirty="0"/>
-              <a:t> is string or number</a:t>
-            </a:r>
-          </a:p>
-          <a:p>
-            <a:pPr marL="171450" indent="-171450">
-              <a:buFontTx/>
-              <a:buChar char="-"/>
-            </a:pPr>
-            <a:r>
-              <a:rPr lang="en-US" baseline="0" dirty="0"/>
-              <a:t>Use { } when it is not string, number or an expression</a:t>
-            </a:r>
-          </a:p>
-          <a:p>
-            <a:pPr marL="171450" indent="-171450">
-              <a:buFontTx/>
-              <a:buChar char="-"/>
-            </a:pPr>
-            <a:r>
-              <a:rPr lang="en-US" baseline="0" dirty="0"/>
-              <a:t>Boolean value “true” can be omitted</a:t>
-            </a:r>
             <a:endParaRPr lang="en-US" dirty="0"/>
           </a:p>
         </p:txBody>
@@ -1140,7 +1112,7 @@
           <a:p>
             <a:fld id="{5457576B-81D0-4568-B3CF-C3F7AD81B6EA}" type="slidenum">
               <a:rPr kumimoji="1" lang="ja-JP" altLang="en-US" smtClean="0"/>
-              <a:t>12</a:t>
+              <a:t>2</a:t>
             </a:fld>
             <a:endParaRPr kumimoji="1" lang="ja-JP" altLang="en-US"/>
           </a:p>
@@ -1149,7 +1121,7 @@
     </p:spTree>
     <p:extLst>
       <p:ext uri="{BB962C8B-B14F-4D97-AF65-F5344CB8AC3E}">
-        <p14:creationId xmlns:p14="http://schemas.microsoft.com/office/powerpoint/2010/main" val="3607927435"/>
+        <p14:creationId xmlns:p14="http://schemas.microsoft.com/office/powerpoint/2010/main" val="2795959959"/>
       </p:ext>
     </p:extLst>
   </p:cSld>
@@ -1203,6 +1175,202 @@
           <a:bodyPr/>
           <a:lstStyle/>
           <a:p>
+            <a:endParaRPr lang="en-US" dirty="0"/>
+          </a:p>
+        </p:txBody>
+      </p:sp>
+      <p:sp>
+        <p:nvSpPr>
+          <p:cNvPr id="4" name="Slide Number Placeholder 3"/>
+          <p:cNvSpPr>
+            <a:spLocks noGrp="1"/>
+          </p:cNvSpPr>
+          <p:nvPr>
+            <p:ph type="sldNum" sz="quarter" idx="10"/>
+          </p:nvPr>
+        </p:nvSpPr>
+        <p:spPr/>
+        <p:txBody>
+          <a:bodyPr/>
+          <a:lstStyle/>
+          <a:p>
+            <a:fld id="{5457576B-81D0-4568-B3CF-C3F7AD81B6EA}" type="slidenum">
+              <a:rPr kumimoji="1" lang="ja-JP" altLang="en-US" smtClean="0"/>
+              <a:t>6</a:t>
+            </a:fld>
+            <a:endParaRPr kumimoji="1" lang="ja-JP" altLang="en-US"/>
+          </a:p>
+        </p:txBody>
+      </p:sp>
+    </p:spTree>
+    <p:extLst>
+      <p:ext uri="{BB962C8B-B14F-4D97-AF65-F5344CB8AC3E}">
+        <p14:creationId xmlns:p14="http://schemas.microsoft.com/office/powerpoint/2010/main" val="1242635459"/>
+      </p:ext>
+    </p:extLst>
+  </p:cSld>
+  <p:clrMapOvr>
+    <a:masterClrMapping/>
+  </p:clrMapOvr>
+</p:notes>
+</file>
+
+<file path=ppt/notesSlides/notesSlide5.xml><?xml version="1.0" encoding="utf-8"?>
+<p:notes xmlns:a="http://schemas.openxmlformats.org/drawingml/2006/main" xmlns:r="http://schemas.openxmlformats.org/officeDocument/2006/relationships" xmlns:p="http://schemas.openxmlformats.org/presentationml/2006/main">
+  <p:cSld>
+    <p:spTree>
+      <p:nvGrpSpPr>
+        <p:cNvPr id="1" name=""/>
+        <p:cNvGrpSpPr/>
+        <p:nvPr/>
+      </p:nvGrpSpPr>
+      <p:grpSpPr>
+        <a:xfrm>
+          <a:off x="0" y="0"/>
+          <a:ext cx="0" cy="0"/>
+          <a:chOff x="0" y="0"/>
+          <a:chExt cx="0" cy="0"/>
+        </a:xfrm>
+      </p:grpSpPr>
+      <p:sp>
+        <p:nvSpPr>
+          <p:cNvPr id="2" name="Slide Image Placeholder 1"/>
+          <p:cNvSpPr>
+            <a:spLocks noGrp="1" noRot="1" noChangeAspect="1"/>
+          </p:cNvSpPr>
+          <p:nvPr>
+            <p:ph type="sldImg"/>
+          </p:nvPr>
+        </p:nvSpPr>
+        <p:spPr/>
+      </p:sp>
+      <p:sp>
+        <p:nvSpPr>
+          <p:cNvPr id="3" name="Notes Placeholder 2"/>
+          <p:cNvSpPr>
+            <a:spLocks noGrp="1"/>
+          </p:cNvSpPr>
+          <p:nvPr>
+            <p:ph type="body" idx="1"/>
+          </p:nvPr>
+        </p:nvSpPr>
+        <p:spPr/>
+        <p:txBody>
+          <a:bodyPr/>
+          <a:lstStyle/>
+          <a:p>
+            <a:r>
+              <a:rPr lang="en-US" dirty="0"/>
+              <a:t>- Use “ ” when prop</a:t>
+            </a:r>
+            <a:r>
+              <a:rPr lang="en-US" baseline="0" dirty="0"/>
+              <a:t> is string or number</a:t>
+            </a:r>
+          </a:p>
+          <a:p>
+            <a:pPr marL="171450" indent="-171450">
+              <a:buFontTx/>
+              <a:buChar char="-"/>
+            </a:pPr>
+            <a:r>
+              <a:rPr lang="en-US" baseline="0" dirty="0"/>
+              <a:t>Use { } when it is not string, number or an expression</a:t>
+            </a:r>
+          </a:p>
+          <a:p>
+            <a:pPr marL="171450" indent="-171450">
+              <a:buFontTx/>
+              <a:buChar char="-"/>
+            </a:pPr>
+            <a:r>
+              <a:rPr lang="en-US" baseline="0" dirty="0"/>
+              <a:t>Boolean value “true” can be omitted</a:t>
+            </a:r>
+            <a:endParaRPr lang="en-US" dirty="0"/>
+          </a:p>
+        </p:txBody>
+      </p:sp>
+      <p:sp>
+        <p:nvSpPr>
+          <p:cNvPr id="4" name="Slide Number Placeholder 3"/>
+          <p:cNvSpPr>
+            <a:spLocks noGrp="1"/>
+          </p:cNvSpPr>
+          <p:nvPr>
+            <p:ph type="sldNum" sz="quarter" idx="10"/>
+          </p:nvPr>
+        </p:nvSpPr>
+        <p:spPr/>
+        <p:txBody>
+          <a:bodyPr/>
+          <a:lstStyle/>
+          <a:p>
+            <a:fld id="{5457576B-81D0-4568-B3CF-C3F7AD81B6EA}" type="slidenum">
+              <a:rPr kumimoji="1" lang="ja-JP" altLang="en-US" smtClean="0"/>
+              <a:t>12</a:t>
+            </a:fld>
+            <a:endParaRPr kumimoji="1" lang="ja-JP" altLang="en-US"/>
+          </a:p>
+        </p:txBody>
+      </p:sp>
+    </p:spTree>
+    <p:extLst>
+      <p:ext uri="{BB962C8B-B14F-4D97-AF65-F5344CB8AC3E}">
+        <p14:creationId xmlns:p14="http://schemas.microsoft.com/office/powerpoint/2010/main" val="3607927435"/>
+      </p:ext>
+    </p:extLst>
+  </p:cSld>
+  <p:clrMapOvr>
+    <a:masterClrMapping/>
+  </p:clrMapOvr>
+</p:notes>
+</file>
+
+<file path=ppt/notesSlides/notesSlide6.xml><?xml version="1.0" encoding="utf-8"?>
+<p:notes xmlns:a="http://schemas.openxmlformats.org/drawingml/2006/main" xmlns:r="http://schemas.openxmlformats.org/officeDocument/2006/relationships" xmlns:p="http://schemas.openxmlformats.org/presentationml/2006/main">
+  <p:cSld>
+    <p:spTree>
+      <p:nvGrpSpPr>
+        <p:cNvPr id="1" name=""/>
+        <p:cNvGrpSpPr/>
+        <p:nvPr/>
+      </p:nvGrpSpPr>
+      <p:grpSpPr>
+        <a:xfrm>
+          <a:off x="0" y="0"/>
+          <a:ext cx="0" cy="0"/>
+          <a:chOff x="0" y="0"/>
+          <a:chExt cx="0" cy="0"/>
+        </a:xfrm>
+      </p:grpSpPr>
+      <p:sp>
+        <p:nvSpPr>
+          <p:cNvPr id="2" name="Slide Image Placeholder 1"/>
+          <p:cNvSpPr>
+            <a:spLocks noGrp="1" noRot="1" noChangeAspect="1"/>
+          </p:cNvSpPr>
+          <p:nvPr>
+            <p:ph type="sldImg"/>
+          </p:nvPr>
+        </p:nvSpPr>
+        <p:spPr/>
+      </p:sp>
+      <p:sp>
+        <p:nvSpPr>
+          <p:cNvPr id="3" name="Notes Placeholder 2"/>
+          <p:cNvSpPr>
+            <a:spLocks noGrp="1"/>
+          </p:cNvSpPr>
+          <p:nvPr>
+            <p:ph type="body" idx="1"/>
+          </p:nvPr>
+        </p:nvSpPr>
+        <p:spPr/>
+        <p:txBody>
+          <a:bodyPr/>
+          <a:lstStyle/>
+          <a:p>
             <a:pPr marL="171450" indent="-171450">
               <a:buFontTx/>
               <a:buChar char="-"/>
@@ -1283,7 +1451,7 @@
 </p:notes>
 </file>
 
-<file path=ppt/notesSlides/notesSlide5.xml><?xml version="1.0" encoding="utf-8"?>
+<file path=ppt/notesSlides/notesSlide7.xml><?xml version="1.0" encoding="utf-8"?>
 <p:notes xmlns:a="http://schemas.openxmlformats.org/drawingml/2006/main" xmlns:r="http://schemas.openxmlformats.org/officeDocument/2006/relationships" xmlns:p="http://schemas.openxmlformats.org/presentationml/2006/main">
   <p:cSld>
     <p:spTree>
@@ -2076,7 +2244,7 @@
           <p:cNvPr id="21" name="図 20">
             <a:extLst>
               <a:ext uri="{FF2B5EF4-FFF2-40B4-BE49-F238E27FC236}">
-                <a16:creationId xmlns:a16="http://schemas.microsoft.com/office/drawing/2014/main" xmlns="" id="{543CFF27-F10C-A444-8A84-B0F08A699FEA}"/>
+                <a16:creationId xmlns="" xmlns:a16="http://schemas.microsoft.com/office/drawing/2014/main" id="{543CFF27-F10C-A444-8A84-B0F08A699FEA}"/>
               </a:ext>
             </a:extLst>
           </p:cNvPr>
@@ -2716,7 +2884,7 @@
           <p:cNvPr id="16" name="図 15">
             <a:extLst>
               <a:ext uri="{FF2B5EF4-FFF2-40B4-BE49-F238E27FC236}">
-                <a16:creationId xmlns:a16="http://schemas.microsoft.com/office/drawing/2014/main" xmlns="" id="{47460C97-3534-6B45-9737-891C28021C53}"/>
+                <a16:creationId xmlns="" xmlns:a16="http://schemas.microsoft.com/office/drawing/2014/main" id="{47460C97-3534-6B45-9737-891C28021C53}"/>
               </a:ext>
             </a:extLst>
           </p:cNvPr>
@@ -7882,50 +8050,38 @@
               <a:buChar char="q"/>
             </a:pPr>
             <a:r>
-              <a:rPr kumimoji="0" lang="en-US" sz="1400" dirty="0">
+              <a:rPr kumimoji="0" lang="en-US" sz="1400" dirty="0" smtClean="0">
                 <a:solidFill>
                   <a:srgbClr val="000000"/>
                 </a:solidFill>
                 <a:ea typeface="ＭＳ Ｐゴシック"/>
               </a:rPr>
-              <a:t>Create an input to allow user </a:t>
-            </a:r>
-            <a:r>
-              <a:rPr kumimoji="0" lang="en-US" sz="1400" dirty="0" err="1">
+              <a:t>If counter1 </a:t>
+            </a:r>
+            <a:r>
+              <a:rPr kumimoji="0" lang="en-US" sz="1400" dirty="0">
                 <a:solidFill>
                   <a:srgbClr val="000000"/>
                 </a:solidFill>
                 <a:ea typeface="ＭＳ Ｐゴシック"/>
               </a:rPr>
-              <a:t>config</a:t>
-            </a:r>
-            <a:r>
-              <a:rPr kumimoji="0" lang="en-US" sz="1400" dirty="0">
+              <a:t>reach over 20, Increase button will be change to Decrease button</a:t>
+            </a:r>
+            <a:r>
+              <a:rPr kumimoji="0" lang="en-US" sz="1400" dirty="0" smtClean="0">
                 <a:solidFill>
                   <a:srgbClr val="000000"/>
                 </a:solidFill>
                 <a:ea typeface="ＭＳ Ｐゴシック"/>
               </a:rPr>
-              <a:t> </a:t>
-            </a:r>
-            <a:r>
-              <a:rPr kumimoji="0" lang="en-US" sz="1400" dirty="0" err="1">
-                <a:solidFill>
-                  <a:srgbClr val="000000"/>
-                </a:solidFill>
-                <a:ea typeface="ＭＳ Ｐゴシック"/>
-              </a:rPr>
-              <a:t>increasement</a:t>
-            </a:r>
-            <a:r>
-              <a:rPr kumimoji="0" lang="en-US" sz="1400" dirty="0">
-                <a:solidFill>
-                  <a:srgbClr val="000000"/>
-                </a:solidFill>
-                <a:ea typeface="ＭＳ Ｐゴシック"/>
-              </a:rPr>
-              <a:t> each time button click (inside Counter component).</a:t>
-            </a:r>
+              <a:t>. Then click decrease 1 to 0 then change to increase</a:t>
+            </a:r>
+            <a:endParaRPr kumimoji="0" lang="en-US" sz="1400" dirty="0">
+              <a:solidFill>
+                <a:srgbClr val="000000"/>
+              </a:solidFill>
+              <a:ea typeface="ＭＳ Ｐゴシック"/>
+            </a:endParaRPr>
           </a:p>
           <a:p>
             <a:pPr marL="285750" lvl="0" indent="-285750" defTabSz="914400">
@@ -7942,7 +8098,70 @@
                 </a:solidFill>
                 <a:ea typeface="ＭＳ Ｐゴシック"/>
               </a:rPr>
-              <a:t>If counter reach over 20, Increase button will be change to Decrease button.</a:t>
+              <a:t>If </a:t>
+            </a:r>
+            <a:r>
+              <a:rPr kumimoji="0" lang="en-US" sz="1400" dirty="0" smtClean="0">
+                <a:solidFill>
+                  <a:srgbClr val="000000"/>
+                </a:solidFill>
+                <a:ea typeface="ＭＳ Ｐゴシック"/>
+              </a:rPr>
+              <a:t>counter2 </a:t>
+            </a:r>
+            <a:r>
+              <a:rPr kumimoji="0" lang="en-US" sz="1400" dirty="0">
+                <a:solidFill>
+                  <a:srgbClr val="000000"/>
+                </a:solidFill>
+                <a:ea typeface="ＭＳ Ｐゴシック"/>
+              </a:rPr>
+              <a:t>reach under </a:t>
+            </a:r>
+            <a:r>
+              <a:rPr kumimoji="0" lang="en-US" sz="1400" dirty="0" smtClean="0">
+                <a:solidFill>
+                  <a:srgbClr val="000000"/>
+                </a:solidFill>
+                <a:ea typeface="ＭＳ Ｐゴシック"/>
+              </a:rPr>
+              <a:t>20</a:t>
+            </a:r>
+            <a:r>
+              <a:rPr kumimoji="0" lang="en-US" sz="1400" dirty="0">
+                <a:solidFill>
+                  <a:srgbClr val="000000"/>
+                </a:solidFill>
+                <a:ea typeface="ＭＳ Ｐゴシック"/>
+              </a:rPr>
+              <a:t>, Increase </a:t>
+            </a:r>
+            <a:r>
+              <a:rPr kumimoji="0" lang="en-US" sz="1400" dirty="0" smtClean="0">
+                <a:solidFill>
+                  <a:srgbClr val="000000"/>
+                </a:solidFill>
+                <a:ea typeface="ＭＳ Ｐゴシック"/>
+              </a:rPr>
+              <a:t>button </a:t>
+            </a:r>
+            <a:r>
+              <a:rPr kumimoji="0" lang="en-US" sz="1400" dirty="0">
+                <a:solidFill>
+                  <a:srgbClr val="000000"/>
+                </a:solidFill>
+                <a:ea typeface="ＭＳ Ｐゴシック"/>
+              </a:rPr>
+              <a:t>will be disabled</a:t>
+            </a:r>
+            <a:r>
+              <a:rPr kumimoji="0" lang="en-US" sz="1400" dirty="0" smtClean="0">
+                <a:solidFill>
+                  <a:srgbClr val="000000"/>
+                </a:solidFill>
+                <a:ea typeface="ＭＳ Ｐゴシック"/>
+              </a:rPr>
+              <a:t>.</a:t>
             </a:r>
           </a:p>
           <a:p>
@@ -7954,14 +8173,143 @@
               <a:buChar char="q"/>
             </a:pPr>
             <a:r>
-              <a:rPr kumimoji="0" lang="en-US" sz="1400" dirty="0">
+              <a:rPr kumimoji="0" lang="en-US" sz="1400" dirty="0" err="1" smtClean="0">
                 <a:solidFill>
                   <a:srgbClr val="000000"/>
                 </a:solidFill>
                 <a:ea typeface="ＭＳ Ｐゴシック"/>
               </a:rPr>
-              <a:t>If counter reach under 0, button will be disabled.</a:t>
-            </a:r>
+              <a:t>AutoFocusInput</a:t>
+            </a:r>
+            <a:r>
+              <a:rPr kumimoji="0" lang="en-US" sz="1400" dirty="0" smtClean="0">
+                <a:solidFill>
+                  <a:srgbClr val="000000"/>
+                </a:solidFill>
+                <a:ea typeface="ＭＳ Ｐゴシック"/>
+              </a:rPr>
+              <a:t>:  normal input, auto focus to input when created</a:t>
+            </a:r>
+          </a:p>
+          <a:p>
+            <a:pPr marL="285750" lvl="0" indent="-285750" defTabSz="914400">
+              <a:lnSpc>
+                <a:spcPct val="150000"/>
+              </a:lnSpc>
+              <a:buFont typeface="Wingdings" pitchFamily="2" charset="2"/>
+              <a:buChar char="q"/>
+            </a:pPr>
+            <a:r>
+              <a:rPr kumimoji="0" lang="en-US" sz="1400" dirty="0" smtClean="0">
+                <a:solidFill>
+                  <a:srgbClr val="000000"/>
+                </a:solidFill>
+                <a:ea typeface="ＭＳ Ｐゴシック"/>
+              </a:rPr>
+              <a:t>Mail: </a:t>
+            </a:r>
+            <a:r>
+              <a:rPr kumimoji="0" lang="en-US" sz="1400" dirty="0" smtClean="0">
+                <a:solidFill>
+                  <a:srgbClr val="000000"/>
+                </a:solidFill>
+                <a:ea typeface="ＭＳ Ｐゴシック"/>
+                <a:hlinkClick r:id="rId2"/>
+              </a:rPr>
+              <a:t>quoctoan90</a:t>
+            </a:r>
+            <a:r>
+              <a:rPr kumimoji="0" lang="en-US" sz="1400" dirty="0" smtClean="0">
+                <a:solidFill>
+                  <a:srgbClr val="000000"/>
+                </a:solidFill>
+                <a:ea typeface="ＭＳ Ｐゴシック"/>
+                <a:hlinkClick r:id="rId2"/>
+              </a:rPr>
+              <a:t>7</a:t>
+            </a:r>
+            <a:r>
+              <a:rPr kumimoji="0" lang="en-US" sz="1400" dirty="0" smtClean="0">
+                <a:solidFill>
+                  <a:srgbClr val="000000"/>
+                </a:solidFill>
+                <a:ea typeface="ＭＳ Ｐゴシック"/>
+                <a:hlinkClick r:id="rId2"/>
+              </a:rPr>
+              <a:t>@gmail.com</a:t>
+            </a:r>
+            <a:endParaRPr kumimoji="0" lang="en-US" sz="1400" dirty="0" smtClean="0">
+              <a:solidFill>
+                <a:srgbClr val="000000"/>
+              </a:solidFill>
+              <a:ea typeface="ＭＳ Ｐゴシック"/>
+            </a:endParaRPr>
+          </a:p>
+          <a:p>
+            <a:pPr marL="285750" lvl="0" indent="-285750" defTabSz="914400">
+              <a:lnSpc>
+                <a:spcPct val="150000"/>
+              </a:lnSpc>
+              <a:buFont typeface="Wingdings" pitchFamily="2" charset="2"/>
+              <a:buChar char="q"/>
+            </a:pPr>
+            <a:r>
+              <a:rPr kumimoji="0" lang="en-US" sz="1400" dirty="0" smtClean="0">
+                <a:solidFill>
+                  <a:srgbClr val="000000"/>
+                </a:solidFill>
+                <a:ea typeface="ＭＳ Ｐゴシック"/>
+              </a:rPr>
+              <a:t>Note: delete </a:t>
+            </a:r>
+            <a:r>
+              <a:rPr kumimoji="0" lang="en-US" sz="1400" dirty="0" err="1" smtClean="0">
+                <a:solidFill>
+                  <a:srgbClr val="000000"/>
+                </a:solidFill>
+                <a:ea typeface="ＭＳ Ｐゴシック"/>
+              </a:rPr>
+              <a:t>node_modules</a:t>
+            </a:r>
+            <a:r>
+              <a:rPr kumimoji="0" lang="en-US" sz="1400" dirty="0" smtClean="0">
+                <a:solidFill>
+                  <a:srgbClr val="000000"/>
+                </a:solidFill>
+                <a:ea typeface="ＭＳ Ｐゴシック"/>
+              </a:rPr>
+              <a:t> before zipping</a:t>
+            </a:r>
+            <a:endParaRPr kumimoji="0" lang="en-US" sz="1400" dirty="0" smtClean="0">
+              <a:solidFill>
+                <a:srgbClr val="000000"/>
+              </a:solidFill>
+              <a:ea typeface="ＭＳ Ｐゴシック"/>
+            </a:endParaRPr>
+          </a:p>
+          <a:p>
+            <a:pPr marL="285750" lvl="0" indent="-285750" defTabSz="914400">
+              <a:lnSpc>
+                <a:spcPct val="150000"/>
+              </a:lnSpc>
+              <a:buFont typeface="Wingdings" pitchFamily="2" charset="2"/>
+              <a:buChar char="q"/>
+            </a:pPr>
+            <a:r>
+              <a:rPr kumimoji="0" lang="en-US" sz="1400" dirty="0" smtClean="0">
+                <a:solidFill>
+                  <a:srgbClr val="000000"/>
+                </a:solidFill>
+                <a:ea typeface="ＭＳ Ｐゴシック"/>
+              </a:rPr>
+              <a:t>Subject: React training – Bai 1</a:t>
+            </a:r>
+            <a:endParaRPr kumimoji="0" lang="en-US" sz="1400" dirty="0">
+              <a:solidFill>
+                <a:srgbClr val="000000"/>
+              </a:solidFill>
+              <a:ea typeface="ＭＳ Ｐゴシック"/>
+            </a:endParaRPr>
           </a:p>
         </p:txBody>
       </p:sp>
@@ -9513,7 +9861,7 @@
           <p:nvPr/>
         </p:nvPicPr>
         <p:blipFill>
-          <a:blip r:embed="rId2"/>
+          <a:blip r:embed="rId3"/>
           <a:stretch>
             <a:fillRect/>
           </a:stretch>
